--- a/G2M_Case_Study.pptx
+++ b/G2M_Case_Study.pptx
@@ -8,7 +8,13 @@
     <p:sldId id="256" r:id="rId2"/>
     <p:sldId id="267" r:id="rId3"/>
     <p:sldId id="257" r:id="rId4"/>
-    <p:sldId id="268" r:id="rId5"/>
+    <p:sldId id="269" r:id="rId5"/>
+    <p:sldId id="270" r:id="rId6"/>
+    <p:sldId id="271" r:id="rId7"/>
+    <p:sldId id="273" r:id="rId8"/>
+    <p:sldId id="272" r:id="rId9"/>
+    <p:sldId id="274" r:id="rId10"/>
+    <p:sldId id="268" r:id="rId11"/>
   </p:sldIdLst>
   <p:sldSz cx="12192000" cy="6858000"/>
   <p:notesSz cx="6858000" cy="9144000"/>
@@ -3090,6 +3096,155 @@
 </p:sld>
 </file>
 
+<file path=ppt/slides/slide10.xml><?xml version="1.0" encoding="utf-8"?>
+<p:sld xmlns:a="http://schemas.openxmlformats.org/drawingml/2006/main" xmlns:r="http://schemas.openxmlformats.org/officeDocument/2006/relationships" xmlns:p="http://schemas.openxmlformats.org/presentationml/2006/main">
+  <p:cSld>
+    <p:spTree>
+      <p:nvGrpSpPr>
+        <p:cNvPr id="1" name=""/>
+        <p:cNvGrpSpPr/>
+        <p:nvPr/>
+      </p:nvGrpSpPr>
+      <p:grpSpPr>
+        <a:xfrm>
+          <a:off x="0" y="0"/>
+          <a:ext cx="0" cy="0"/>
+          <a:chOff x="0" y="0"/>
+          <a:chExt cx="0" cy="0"/>
+        </a:xfrm>
+      </p:grpSpPr>
+      <p:sp>
+        <p:nvSpPr>
+          <p:cNvPr id="2" name="Title 1">
+            <a:extLst>
+              <a:ext uri="{FF2B5EF4-FFF2-40B4-BE49-F238E27FC236}">
+                <a16:creationId xmlns:a16="http://schemas.microsoft.com/office/drawing/2014/main" id="{E8B8F26E-9345-4747-9094-972E38700A17}"/>
+              </a:ext>
+            </a:extLst>
+          </p:cNvPr>
+          <p:cNvSpPr>
+            <a:spLocks noGrp="1"/>
+          </p:cNvSpPr>
+          <p:nvPr>
+            <p:ph type="ctrTitle"/>
+          </p:nvPr>
+        </p:nvSpPr>
+        <p:spPr>
+          <a:xfrm rot="5400000">
+            <a:off x="-562431" y="562430"/>
+            <a:ext cx="6858002" cy="5733142"/>
+          </a:xfrm>
+          <a:solidFill>
+            <a:srgbClr val="3B3B3B"/>
+          </a:solidFill>
+        </p:spPr>
+        <p:txBody>
+          <a:bodyPr vert="vert270" anchor="t" anchorCtr="0"/>
+          <a:lstStyle/>
+          <a:p>
+            <a:endParaRPr lang="en-US" b="1" dirty="0">
+              <a:solidFill>
+                <a:srgbClr val="FF6600"/>
+              </a:solidFill>
+            </a:endParaRPr>
+          </a:p>
+        </p:txBody>
+      </p:sp>
+      <p:pic>
+        <p:nvPicPr>
+          <p:cNvPr id="4" name="Picture 3">
+            <a:extLst>
+              <a:ext uri="{FF2B5EF4-FFF2-40B4-BE49-F238E27FC236}">
+                <a16:creationId xmlns:a16="http://schemas.microsoft.com/office/drawing/2014/main" id="{7A465064-0714-5743-882B-8875105A7023}"/>
+              </a:ext>
+            </a:extLst>
+          </p:cNvPr>
+          <p:cNvPicPr>
+            <a:picLocks noChangeAspect="1"/>
+          </p:cNvPicPr>
+          <p:nvPr/>
+        </p:nvPicPr>
+        <p:blipFill>
+          <a:blip r:embed="rId2" cstate="print">
+            <a:extLst>
+              <a:ext uri="{28A0092B-C50C-407E-A947-70E740481C1C}">
+                <a14:useLocalDpi xmlns:a14="http://schemas.microsoft.com/office/drawing/2010/main" val="0"/>
+              </a:ext>
+            </a:extLst>
+          </a:blip>
+          <a:stretch>
+            <a:fillRect/>
+          </a:stretch>
+        </p:blipFill>
+        <p:spPr>
+          <a:xfrm>
+            <a:off x="0" y="5863771"/>
+            <a:ext cx="1654627" cy="994232"/>
+          </a:xfrm>
+          <a:prstGeom prst="rect">
+            <a:avLst/>
+          </a:prstGeom>
+        </p:spPr>
+      </p:pic>
+      <p:sp>
+        <p:nvSpPr>
+          <p:cNvPr id="6" name="Subtitle 5">
+            <a:extLst>
+              <a:ext uri="{FF2B5EF4-FFF2-40B4-BE49-F238E27FC236}">
+                <a16:creationId xmlns:a16="http://schemas.microsoft.com/office/drawing/2014/main" id="{2D4BA697-580E-5544-8F2F-194AD99B859F}"/>
+              </a:ext>
+            </a:extLst>
+          </p:cNvPr>
+          <p:cNvSpPr>
+            <a:spLocks noGrp="1"/>
+          </p:cNvSpPr>
+          <p:nvPr>
+            <p:ph type="subTitle" idx="1"/>
+          </p:nvPr>
+        </p:nvSpPr>
+        <p:spPr>
+          <a:xfrm>
+            <a:off x="5152570" y="2481943"/>
+            <a:ext cx="5558973" cy="1655762"/>
+          </a:xfrm>
+        </p:spPr>
+        <p:txBody>
+          <a:bodyPr>
+            <a:normAutofit/>
+          </a:bodyPr>
+          <a:lstStyle/>
+          <a:p>
+            <a:r>
+              <a:rPr lang="en-US" sz="6600" dirty="0">
+                <a:solidFill>
+                  <a:srgbClr val="FF6600"/>
+                </a:solidFill>
+              </a:rPr>
+              <a:t>Thank You</a:t>
+            </a:r>
+          </a:p>
+          <a:p>
+            <a:endParaRPr lang="en-US" sz="6600" dirty="0">
+              <a:solidFill>
+                <a:srgbClr val="FF6600"/>
+              </a:solidFill>
+            </a:endParaRPr>
+          </a:p>
+        </p:txBody>
+      </p:sp>
+    </p:spTree>
+    <p:extLst>
+      <p:ext uri="{BB962C8B-B14F-4D97-AF65-F5344CB8AC3E}">
+        <p14:creationId xmlns:p14="http://schemas.microsoft.com/office/powerpoint/2010/main" val="116821060"/>
+      </p:ext>
+    </p:extLst>
+  </p:cSld>
+  <p:clrMapOvr>
+    <a:masterClrMapping/>
+  </p:clrMapOvr>
+</p:sld>
+</file>
+
 <file path=ppt/slides/slide2.xml><?xml version="1.0" encoding="utf-8"?>
 <p:sld xmlns:a="http://schemas.openxmlformats.org/drawingml/2006/main" xmlns:r="http://schemas.openxmlformats.org/officeDocument/2006/relationships" xmlns:p="http://schemas.openxmlformats.org/presentationml/2006/main">
   <p:cSld>
@@ -3396,58 +3551,47 @@
           <a:lstStyle/>
           <a:p>
             <a:r>
-              <a:rPr lang="en-US" sz="1800" dirty="0"/>
+              <a:rPr lang="en-US" sz="2400" dirty="0"/>
               <a:t>Due to remarkable growth in the Cab Industry in last few years and multiple key players in the market, our company is planning for an investment in Cab industry and as per our Go-to-Market(G2M) strategy we want to understand the market before taking final decision.</a:t>
             </a:r>
           </a:p>
           <a:p>
             <a:r>
-              <a:rPr lang="en-US" sz="1800" dirty="0"/>
-              <a:t>The objective of this presentation is to provide actionable insights </a:t>
-            </a:r>
-            <a:r>
-              <a:rPr lang="en-US" sz="1800"/>
-              <a:t>to identify the </a:t>
-            </a:r>
-            <a:r>
-              <a:rPr lang="en-US" sz="1800" dirty="0"/>
-              <a:t>right company for making investment.</a:t>
-            </a:r>
-          </a:p>
-          <a:p>
-            <a:endParaRPr lang="en-US" sz="1800" dirty="0"/>
+              <a:rPr lang="en-US" sz="2400" dirty="0"/>
+              <a:t>The objective of this presentation is to provide actionable insights to identify the right company for making investment.</a:t>
+            </a:r>
           </a:p>
           <a:p>
             <a:pPr marL="0" indent="0">
               <a:buNone/>
             </a:pPr>
-            <a:r>
-              <a:rPr lang="en-US" sz="1800" dirty="0"/>
-              <a:t>The analysis has been divided into four parts: </a:t>
-            </a:r>
-          </a:p>
-          <a:p>
-            <a:r>
-              <a:rPr lang="en-US" sz="1800" dirty="0"/>
-              <a:t>Data Understanding </a:t>
-            </a:r>
-          </a:p>
-          <a:p>
-            <a:r>
-              <a:rPr lang="en-US" sz="1800" dirty="0"/>
-              <a:t>Forecasting profit and number of rides for each cab type </a:t>
-            </a:r>
-          </a:p>
-          <a:p>
-            <a:r>
-              <a:rPr lang="en-US" sz="1800" dirty="0"/>
-              <a:t>Finding the most profitable Cab company </a:t>
-            </a:r>
-          </a:p>
-          <a:p>
-            <a:r>
-              <a:rPr lang="en-US" sz="1800" dirty="0"/>
-              <a:t>Recommendations for investment</a:t>
+            <a:endParaRPr lang="en-US" sz="2400" dirty="0"/>
+          </a:p>
+          <a:p>
+            <a:pPr marL="0" indent="0">
+              <a:buNone/>
+            </a:pPr>
+            <a:r>
+              <a:rPr lang="en-US" sz="2400" b="1" dirty="0"/>
+              <a:t>Conclusion</a:t>
+            </a:r>
+            <a:r>
+              <a:rPr lang="en-US" sz="2400" dirty="0"/>
+              <a:t>:</a:t>
+            </a:r>
+          </a:p>
+          <a:p>
+            <a:r>
+              <a:rPr lang="en-US" sz="2400" dirty="0"/>
+              <a:t>Investment in </a:t>
+            </a:r>
+            <a:r>
+              <a:rPr lang="en-US" sz="2400" u="sng" dirty="0"/>
+              <a:t>Yellow Cab</a:t>
+            </a:r>
+            <a:r>
+              <a:rPr lang="en-US" sz="2400" dirty="0"/>
+              <a:t> is recommended.</a:t>
             </a:r>
           </a:p>
         </p:txBody>
@@ -3532,7 +3676,7 @@
           <a:lstStyle/>
           <a:p>
             <a:r>
-              <a:rPr lang="en-US" sz="3500" b="1" dirty="0">
+              <a:rPr lang="en-US" sz="4800" b="1" dirty="0">
                 <a:solidFill>
                   <a:schemeClr val="accent2"/>
                 </a:solidFill>
@@ -3576,10 +3720,10 @@
       </p:grpSpPr>
       <p:sp>
         <p:nvSpPr>
-          <p:cNvPr id="2" name="Title 1">
+          <p:cNvPr id="3" name="Content Placeholder 2">
             <a:extLst>
               <a:ext uri="{FF2B5EF4-FFF2-40B4-BE49-F238E27FC236}">
-                <a16:creationId xmlns:a16="http://schemas.microsoft.com/office/drawing/2014/main" id="{E8B8F26E-9345-4747-9094-972E38700A17}"/>
+                <a16:creationId xmlns:a16="http://schemas.microsoft.com/office/drawing/2014/main" id="{82C5C5A3-2E84-0849-82EA-36D2326D3784}"/>
               </a:ext>
             </a:extLst>
           </p:cNvPr>
@@ -3587,36 +3731,132 @@
             <a:spLocks noGrp="1"/>
           </p:cNvSpPr>
           <p:nvPr>
-            <p:ph type="ctrTitle"/>
-          </p:nvPr>
-        </p:nvSpPr>
-        <p:spPr>
-          <a:xfrm rot="5400000">
-            <a:off x="-562431" y="562430"/>
-            <a:ext cx="6858002" cy="5733142"/>
-          </a:xfrm>
+            <p:ph idx="1"/>
+          </p:nvPr>
+        </p:nvSpPr>
+        <p:spPr>
+          <a:xfrm>
+            <a:off x="762000" y="1812608"/>
+            <a:ext cx="4626077" cy="4351338"/>
+          </a:xfrm>
+        </p:spPr>
+        <p:txBody>
+          <a:bodyPr>
+            <a:normAutofit/>
+          </a:bodyPr>
+          <a:lstStyle/>
+          <a:p>
+            <a:r>
+              <a:rPr lang="en-US" sz="1800" dirty="0"/>
+              <a:t>Comparing the profits of the two companies by month, we can see that Yellow Cab is always making more profits than Pink Cab</a:t>
+            </a:r>
+          </a:p>
+          <a:p>
+            <a:r>
+              <a:rPr lang="en-US" sz="1800" dirty="0"/>
+              <a:t>Profits of both companies show seasonality with most usage towards the end of the year, while the trend is smoother with Pink Cab. </a:t>
+            </a:r>
+          </a:p>
+        </p:txBody>
+      </p:sp>
+      <p:sp>
+        <p:nvSpPr>
+          <p:cNvPr id="4" name="Rectangle 3">
+            <a:extLst>
+              <a:ext uri="{FF2B5EF4-FFF2-40B4-BE49-F238E27FC236}">
+                <a16:creationId xmlns:a16="http://schemas.microsoft.com/office/drawing/2014/main" id="{DD7B960C-F6E1-AE45-98A6-122DB2A97B5B}"/>
+              </a:ext>
+            </a:extLst>
+          </p:cNvPr>
+          <p:cNvSpPr/>
+          <p:nvPr/>
+        </p:nvSpPr>
+        <p:spPr>
+          <a:xfrm>
+            <a:off x="0" y="0"/>
+            <a:ext cx="12192000" cy="1371600"/>
+          </a:xfrm>
+          <a:prstGeom prst="rect">
+            <a:avLst/>
+          </a:prstGeom>
           <a:solidFill>
-            <a:srgbClr val="3B3B3B"/>
+            <a:schemeClr val="bg2">
+              <a:lumMod val="25000"/>
+            </a:schemeClr>
           </a:solidFill>
         </p:spPr>
-        <p:txBody>
-          <a:bodyPr vert="vert270" anchor="t" anchorCtr="0"/>
-          <a:lstStyle/>
-          <a:p>
-            <a:endParaRPr lang="en-US" b="1" dirty="0">
-              <a:solidFill>
-                <a:srgbClr val="FF6600"/>
-              </a:solidFill>
-            </a:endParaRPr>
+        <p:style>
+          <a:lnRef idx="2">
+            <a:schemeClr val="accent1">
+              <a:shade val="50000"/>
+            </a:schemeClr>
+          </a:lnRef>
+          <a:fillRef idx="1">
+            <a:schemeClr val="accent1"/>
+          </a:fillRef>
+          <a:effectRef idx="0">
+            <a:schemeClr val="accent1"/>
+          </a:effectRef>
+          <a:fontRef idx="minor">
+            <a:schemeClr val="lt1"/>
+          </a:fontRef>
+        </p:style>
+        <p:txBody>
+          <a:bodyPr rtlCol="0" anchor="ctr"/>
+          <a:lstStyle/>
+          <a:p>
+            <a:pPr algn="ctr"/>
+            <a:endParaRPr lang="en-US"/>
+          </a:p>
+        </p:txBody>
+      </p:sp>
+      <p:sp>
+        <p:nvSpPr>
+          <p:cNvPr id="6" name="Title 1">
+            <a:extLst>
+              <a:ext uri="{FF2B5EF4-FFF2-40B4-BE49-F238E27FC236}">
+                <a16:creationId xmlns:a16="http://schemas.microsoft.com/office/drawing/2014/main" id="{C526CBCB-8ADA-0E48-96D7-11EEE40222DD}"/>
+              </a:ext>
+            </a:extLst>
+          </p:cNvPr>
+          <p:cNvSpPr>
+            <a:spLocks noGrp="1"/>
+          </p:cNvSpPr>
+          <p:nvPr>
+            <p:ph type="title"/>
+          </p:nvPr>
+        </p:nvSpPr>
+        <p:spPr>
+          <a:xfrm>
+            <a:off x="838200" y="46037"/>
+            <a:ext cx="10515600" cy="1325563"/>
+          </a:xfrm>
+        </p:spPr>
+        <p:txBody>
+          <a:bodyPr>
+            <a:normAutofit/>
+          </a:bodyPr>
+          <a:lstStyle/>
+          <a:p>
+            <a:r>
+              <a:rPr lang="en-US" sz="3500" b="1" dirty="0">
+                <a:solidFill>
+                  <a:schemeClr val="accent2"/>
+                </a:solidFill>
+                <a:latin typeface="Calibri" panose="020F0502020204030204" pitchFamily="34" charset="0"/>
+                <a:cs typeface="Calibri" panose="020F0502020204030204" pitchFamily="34" charset="0"/>
+              </a:rPr>
+              <a:t>Profits by Time</a:t>
+            </a:r>
           </a:p>
         </p:txBody>
       </p:sp>
       <p:pic>
         <p:nvPicPr>
-          <p:cNvPr id="4" name="Picture 3">
+          <p:cNvPr id="5" name="图片 4">
             <a:extLst>
               <a:ext uri="{FF2B5EF4-FFF2-40B4-BE49-F238E27FC236}">
-                <a16:creationId xmlns:a16="http://schemas.microsoft.com/office/drawing/2014/main" id="{7A465064-0714-5743-882B-8875105A7023}"/>
+                <a16:creationId xmlns:a16="http://schemas.microsoft.com/office/drawing/2014/main" id="{8CF3E1DA-70DF-C4E8-5C04-4C82693DC32E}"/>
               </a:ext>
             </a:extLst>
           </p:cNvPr>
@@ -3626,33 +3866,57 @@
           <p:nvPr/>
         </p:nvPicPr>
         <p:blipFill>
-          <a:blip r:embed="rId2" cstate="print">
-            <a:extLst>
-              <a:ext uri="{28A0092B-C50C-407E-A947-70E740481C1C}">
-                <a14:useLocalDpi xmlns:a14="http://schemas.microsoft.com/office/drawing/2010/main" val="0"/>
-              </a:ext>
-            </a:extLst>
-          </a:blip>
+          <a:blip r:embed="rId2"/>
           <a:stretch>
             <a:fillRect/>
           </a:stretch>
         </p:blipFill>
         <p:spPr>
           <a:xfrm>
-            <a:off x="0" y="5863771"/>
-            <a:ext cx="1654627" cy="994232"/>
+            <a:off x="5614219" y="1671595"/>
+            <a:ext cx="6349689" cy="5013781"/>
           </a:xfrm>
           <a:prstGeom prst="rect">
             <a:avLst/>
           </a:prstGeom>
         </p:spPr>
       </p:pic>
-      <p:sp>
-        <p:nvSpPr>
-          <p:cNvPr id="6" name="Subtitle 5">
+    </p:spTree>
+    <p:extLst>
+      <p:ext uri="{BB962C8B-B14F-4D97-AF65-F5344CB8AC3E}">
+        <p14:creationId xmlns:p14="http://schemas.microsoft.com/office/powerpoint/2010/main" val="2706123994"/>
+      </p:ext>
+    </p:extLst>
+  </p:cSld>
+  <p:clrMapOvr>
+    <a:masterClrMapping/>
+  </p:clrMapOvr>
+</p:sld>
+</file>
+
+<file path=ppt/slides/slide5.xml><?xml version="1.0" encoding="utf-8"?>
+<p:sld xmlns:a="http://schemas.openxmlformats.org/drawingml/2006/main" xmlns:r="http://schemas.openxmlformats.org/officeDocument/2006/relationships" xmlns:p="http://schemas.openxmlformats.org/presentationml/2006/main">
+  <p:cSld>
+    <p:spTree>
+      <p:nvGrpSpPr>
+        <p:cNvPr id="1" name=""/>
+        <p:cNvGrpSpPr/>
+        <p:nvPr/>
+      </p:nvGrpSpPr>
+      <p:grpSpPr>
+        <a:xfrm>
+          <a:off x="0" y="0"/>
+          <a:ext cx="0" cy="0"/>
+          <a:chOff x="0" y="0"/>
+          <a:chExt cx="0" cy="0"/>
+        </a:xfrm>
+      </p:grpSpPr>
+      <p:sp>
+        <p:nvSpPr>
+          <p:cNvPr id="3" name="Content Placeholder 2">
             <a:extLst>
               <a:ext uri="{FF2B5EF4-FFF2-40B4-BE49-F238E27FC236}">
-                <a16:creationId xmlns:a16="http://schemas.microsoft.com/office/drawing/2014/main" id="{2D4BA697-580E-5544-8F2F-194AD99B859F}"/>
+                <a16:creationId xmlns:a16="http://schemas.microsoft.com/office/drawing/2014/main" id="{82C5C5A3-2E84-0849-82EA-36D2326D3784}"/>
               </a:ext>
             </a:extLst>
           </p:cNvPr>
@@ -3660,13 +3924,13 @@
             <a:spLocks noGrp="1"/>
           </p:cNvSpPr>
           <p:nvPr>
-            <p:ph type="subTitle" idx="1"/>
-          </p:nvPr>
-        </p:nvSpPr>
-        <p:spPr>
-          <a:xfrm>
-            <a:off x="5152570" y="2481943"/>
-            <a:ext cx="5558973" cy="1655762"/>
+            <p:ph idx="1"/>
+          </p:nvPr>
+        </p:nvSpPr>
+        <p:spPr>
+          <a:xfrm>
+            <a:off x="442453" y="5738914"/>
+            <a:ext cx="10911348" cy="1073049"/>
           </a:xfrm>
         </p:spPr>
         <p:txBody>
@@ -3676,27 +3940,958 @@
           <a:lstStyle/>
           <a:p>
             <a:r>
-              <a:rPr lang="en-US" sz="6600" dirty="0">
+              <a:rPr lang="en-US" sz="1800" dirty="0"/>
+              <a:t>Since New York has too high a profit and making other cities hard to see, we make an additional graph removing it to check the details of other cities.</a:t>
+            </a:r>
+          </a:p>
+          <a:p>
+            <a:r>
+              <a:rPr lang="en-US" sz="1800" dirty="0"/>
+              <a:t>Yellow </a:t>
+            </a:r>
+            <a:r>
+              <a:rPr lang="en-US" altLang="zh-CN" sz="1800" dirty="0"/>
+              <a:t>Cab makes more profits in almost all cities as obviously shown in both graphs.</a:t>
+            </a:r>
+            <a:r>
+              <a:rPr lang="en-US" sz="1800" dirty="0"/>
+              <a:t> </a:t>
+            </a:r>
+          </a:p>
+        </p:txBody>
+      </p:sp>
+      <p:sp>
+        <p:nvSpPr>
+          <p:cNvPr id="4" name="Rectangle 3">
+            <a:extLst>
+              <a:ext uri="{FF2B5EF4-FFF2-40B4-BE49-F238E27FC236}">
+                <a16:creationId xmlns:a16="http://schemas.microsoft.com/office/drawing/2014/main" id="{DD7B960C-F6E1-AE45-98A6-122DB2A97B5B}"/>
+              </a:ext>
+            </a:extLst>
+          </p:cNvPr>
+          <p:cNvSpPr/>
+          <p:nvPr/>
+        </p:nvSpPr>
+        <p:spPr>
+          <a:xfrm>
+            <a:off x="0" y="0"/>
+            <a:ext cx="12192000" cy="1371600"/>
+          </a:xfrm>
+          <a:prstGeom prst="rect">
+            <a:avLst/>
+          </a:prstGeom>
+          <a:solidFill>
+            <a:schemeClr val="bg2">
+              <a:lumMod val="25000"/>
+            </a:schemeClr>
+          </a:solidFill>
+        </p:spPr>
+        <p:style>
+          <a:lnRef idx="2">
+            <a:schemeClr val="accent1">
+              <a:shade val="50000"/>
+            </a:schemeClr>
+          </a:lnRef>
+          <a:fillRef idx="1">
+            <a:schemeClr val="accent1"/>
+          </a:fillRef>
+          <a:effectRef idx="0">
+            <a:schemeClr val="accent1"/>
+          </a:effectRef>
+          <a:fontRef idx="minor">
+            <a:schemeClr val="lt1"/>
+          </a:fontRef>
+        </p:style>
+        <p:txBody>
+          <a:bodyPr rtlCol="0" anchor="ctr"/>
+          <a:lstStyle/>
+          <a:p>
+            <a:pPr algn="ctr"/>
+            <a:endParaRPr lang="en-US"/>
+          </a:p>
+        </p:txBody>
+      </p:sp>
+      <p:sp>
+        <p:nvSpPr>
+          <p:cNvPr id="6" name="Title 1">
+            <a:extLst>
+              <a:ext uri="{FF2B5EF4-FFF2-40B4-BE49-F238E27FC236}">
+                <a16:creationId xmlns:a16="http://schemas.microsoft.com/office/drawing/2014/main" id="{C526CBCB-8ADA-0E48-96D7-11EEE40222DD}"/>
+              </a:ext>
+            </a:extLst>
+          </p:cNvPr>
+          <p:cNvSpPr>
+            <a:spLocks noGrp="1"/>
+          </p:cNvSpPr>
+          <p:nvPr>
+            <p:ph type="title"/>
+          </p:nvPr>
+        </p:nvSpPr>
+        <p:spPr>
+          <a:xfrm>
+            <a:off x="838200" y="46037"/>
+            <a:ext cx="10515600" cy="1325563"/>
+          </a:xfrm>
+        </p:spPr>
+        <p:txBody>
+          <a:bodyPr>
+            <a:normAutofit/>
+          </a:bodyPr>
+          <a:lstStyle/>
+          <a:p>
+            <a:r>
+              <a:rPr lang="en-US" sz="3500" b="1" dirty="0">
                 <a:solidFill>
-                  <a:srgbClr val="FF6600"/>
+                  <a:schemeClr val="accent2"/>
                 </a:solidFill>
+                <a:latin typeface="Calibri" panose="020F0502020204030204" pitchFamily="34" charset="0"/>
+                <a:cs typeface="Calibri" panose="020F0502020204030204" pitchFamily="34" charset="0"/>
               </a:rPr>
-              <a:t>Thank You</a:t>
-            </a:r>
-          </a:p>
-          <a:p>
-            <a:endParaRPr lang="en-US" sz="6600" dirty="0">
+              <a:t>Profits by </a:t>
+            </a:r>
+            <a:r>
+              <a:rPr lang="en-US" altLang="zh-CN" sz="3500" b="1" dirty="0">
+                <a:solidFill>
+                  <a:schemeClr val="accent2"/>
+                </a:solidFill>
+                <a:latin typeface="Calibri" panose="020F0502020204030204" pitchFamily="34" charset="0"/>
+                <a:cs typeface="Calibri" panose="020F0502020204030204" pitchFamily="34" charset="0"/>
+              </a:rPr>
+              <a:t>City</a:t>
+            </a:r>
+            <a:endParaRPr lang="en-US" sz="3500" b="1" dirty="0">
               <a:solidFill>
-                <a:srgbClr val="FF6600"/>
+                <a:schemeClr val="accent2"/>
               </a:solidFill>
+              <a:latin typeface="Calibri" panose="020F0502020204030204" pitchFamily="34" charset="0"/>
+              <a:cs typeface="Calibri" panose="020F0502020204030204" pitchFamily="34" charset="0"/>
             </a:endParaRPr>
           </a:p>
         </p:txBody>
       </p:sp>
+      <p:pic>
+        <p:nvPicPr>
+          <p:cNvPr id="7" name="图片 6">
+            <a:extLst>
+              <a:ext uri="{FF2B5EF4-FFF2-40B4-BE49-F238E27FC236}">
+                <a16:creationId xmlns:a16="http://schemas.microsoft.com/office/drawing/2014/main" id="{D5F14F0D-7DE3-DBC3-F62A-1D8823C055FC}"/>
+              </a:ext>
+            </a:extLst>
+          </p:cNvPr>
+          <p:cNvPicPr>
+            <a:picLocks noChangeAspect="1"/>
+          </p:cNvPicPr>
+          <p:nvPr/>
+        </p:nvPicPr>
+        <p:blipFill>
+          <a:blip r:embed="rId2"/>
+          <a:stretch>
+            <a:fillRect/>
+          </a:stretch>
+        </p:blipFill>
+        <p:spPr>
+          <a:xfrm>
+            <a:off x="263208" y="1417637"/>
+            <a:ext cx="5592139" cy="4275240"/>
+          </a:xfrm>
+          <a:prstGeom prst="rect">
+            <a:avLst/>
+          </a:prstGeom>
+        </p:spPr>
+      </p:pic>
+      <p:pic>
+        <p:nvPicPr>
+          <p:cNvPr id="9" name="图片 8">
+            <a:extLst>
+              <a:ext uri="{FF2B5EF4-FFF2-40B4-BE49-F238E27FC236}">
+                <a16:creationId xmlns:a16="http://schemas.microsoft.com/office/drawing/2014/main" id="{DE5B2477-6F52-C7BA-84D7-F9D5968A892B}"/>
+              </a:ext>
+            </a:extLst>
+          </p:cNvPr>
+          <p:cNvPicPr>
+            <a:picLocks noChangeAspect="1"/>
+          </p:cNvPicPr>
+          <p:nvPr/>
+        </p:nvPicPr>
+        <p:blipFill>
+          <a:blip r:embed="rId3"/>
+          <a:stretch>
+            <a:fillRect/>
+          </a:stretch>
+        </p:blipFill>
+        <p:spPr>
+          <a:xfrm>
+            <a:off x="5955769" y="1417637"/>
+            <a:ext cx="5398031" cy="4275240"/>
+          </a:xfrm>
+          <a:prstGeom prst="rect">
+            <a:avLst/>
+          </a:prstGeom>
+        </p:spPr>
+      </p:pic>
     </p:spTree>
     <p:extLst>
       <p:ext uri="{BB962C8B-B14F-4D97-AF65-F5344CB8AC3E}">
-        <p14:creationId xmlns:p14="http://schemas.microsoft.com/office/powerpoint/2010/main" val="116821060"/>
+        <p14:creationId xmlns:p14="http://schemas.microsoft.com/office/powerpoint/2010/main" val="2094255194"/>
+      </p:ext>
+    </p:extLst>
+  </p:cSld>
+  <p:clrMapOvr>
+    <a:masterClrMapping/>
+  </p:clrMapOvr>
+</p:sld>
+</file>
+
+<file path=ppt/slides/slide6.xml><?xml version="1.0" encoding="utf-8"?>
+<p:sld xmlns:a="http://schemas.openxmlformats.org/drawingml/2006/main" xmlns:r="http://schemas.openxmlformats.org/officeDocument/2006/relationships" xmlns:p="http://schemas.openxmlformats.org/presentationml/2006/main">
+  <p:cSld>
+    <p:spTree>
+      <p:nvGrpSpPr>
+        <p:cNvPr id="1" name=""/>
+        <p:cNvGrpSpPr/>
+        <p:nvPr/>
+      </p:nvGrpSpPr>
+      <p:grpSpPr>
+        <a:xfrm>
+          <a:off x="0" y="0"/>
+          <a:ext cx="0" cy="0"/>
+          <a:chOff x="0" y="0"/>
+          <a:chExt cx="0" cy="0"/>
+        </a:xfrm>
+      </p:grpSpPr>
+      <p:sp>
+        <p:nvSpPr>
+          <p:cNvPr id="3" name="Content Placeholder 2">
+            <a:extLst>
+              <a:ext uri="{FF2B5EF4-FFF2-40B4-BE49-F238E27FC236}">
+                <a16:creationId xmlns:a16="http://schemas.microsoft.com/office/drawing/2014/main" id="{82C5C5A3-2E84-0849-82EA-36D2326D3784}"/>
+              </a:ext>
+            </a:extLst>
+          </p:cNvPr>
+          <p:cNvSpPr>
+            <a:spLocks noGrp="1"/>
+          </p:cNvSpPr>
+          <p:nvPr>
+            <p:ph idx="1"/>
+          </p:nvPr>
+        </p:nvSpPr>
+        <p:spPr>
+          <a:xfrm>
+            <a:off x="762000" y="1812608"/>
+            <a:ext cx="4016477" cy="4351338"/>
+          </a:xfrm>
+        </p:spPr>
+        <p:txBody>
+          <a:bodyPr>
+            <a:normAutofit/>
+          </a:bodyPr>
+          <a:lstStyle/>
+          <a:p>
+            <a:r>
+              <a:rPr lang="en-US" sz="1800" dirty="0"/>
+              <a:t>In general, the cab companies make less profits from female users.</a:t>
+            </a:r>
+          </a:p>
+          <a:p>
+            <a:r>
+              <a:rPr lang="en-US" sz="1800" dirty="0"/>
+              <a:t>Yellow Cab makes more profits from both genders</a:t>
+            </a:r>
+          </a:p>
+        </p:txBody>
+      </p:sp>
+      <p:sp>
+        <p:nvSpPr>
+          <p:cNvPr id="4" name="Rectangle 3">
+            <a:extLst>
+              <a:ext uri="{FF2B5EF4-FFF2-40B4-BE49-F238E27FC236}">
+                <a16:creationId xmlns:a16="http://schemas.microsoft.com/office/drawing/2014/main" id="{DD7B960C-F6E1-AE45-98A6-122DB2A97B5B}"/>
+              </a:ext>
+            </a:extLst>
+          </p:cNvPr>
+          <p:cNvSpPr/>
+          <p:nvPr/>
+        </p:nvSpPr>
+        <p:spPr>
+          <a:xfrm>
+            <a:off x="0" y="0"/>
+            <a:ext cx="12192000" cy="1371600"/>
+          </a:xfrm>
+          <a:prstGeom prst="rect">
+            <a:avLst/>
+          </a:prstGeom>
+          <a:solidFill>
+            <a:schemeClr val="bg2">
+              <a:lumMod val="25000"/>
+            </a:schemeClr>
+          </a:solidFill>
+        </p:spPr>
+        <p:style>
+          <a:lnRef idx="2">
+            <a:schemeClr val="accent1">
+              <a:shade val="50000"/>
+            </a:schemeClr>
+          </a:lnRef>
+          <a:fillRef idx="1">
+            <a:schemeClr val="accent1"/>
+          </a:fillRef>
+          <a:effectRef idx="0">
+            <a:schemeClr val="accent1"/>
+          </a:effectRef>
+          <a:fontRef idx="minor">
+            <a:schemeClr val="lt1"/>
+          </a:fontRef>
+        </p:style>
+        <p:txBody>
+          <a:bodyPr rtlCol="0" anchor="ctr"/>
+          <a:lstStyle/>
+          <a:p>
+            <a:pPr algn="ctr"/>
+            <a:endParaRPr lang="en-US"/>
+          </a:p>
+        </p:txBody>
+      </p:sp>
+      <p:sp>
+        <p:nvSpPr>
+          <p:cNvPr id="6" name="Title 1">
+            <a:extLst>
+              <a:ext uri="{FF2B5EF4-FFF2-40B4-BE49-F238E27FC236}">
+                <a16:creationId xmlns:a16="http://schemas.microsoft.com/office/drawing/2014/main" id="{C526CBCB-8ADA-0E48-96D7-11EEE40222DD}"/>
+              </a:ext>
+            </a:extLst>
+          </p:cNvPr>
+          <p:cNvSpPr>
+            <a:spLocks noGrp="1"/>
+          </p:cNvSpPr>
+          <p:nvPr>
+            <p:ph type="title"/>
+          </p:nvPr>
+        </p:nvSpPr>
+        <p:spPr>
+          <a:xfrm>
+            <a:off x="838200" y="46037"/>
+            <a:ext cx="10515600" cy="1325563"/>
+          </a:xfrm>
+        </p:spPr>
+        <p:txBody>
+          <a:bodyPr>
+            <a:normAutofit/>
+          </a:bodyPr>
+          <a:lstStyle/>
+          <a:p>
+            <a:r>
+              <a:rPr lang="en-US" sz="3500" b="1" dirty="0">
+                <a:solidFill>
+                  <a:schemeClr val="accent2"/>
+                </a:solidFill>
+                <a:latin typeface="Calibri" panose="020F0502020204030204" pitchFamily="34" charset="0"/>
+                <a:cs typeface="Calibri" panose="020F0502020204030204" pitchFamily="34" charset="0"/>
+              </a:rPr>
+              <a:t>Profits by Gender</a:t>
+            </a:r>
+          </a:p>
+        </p:txBody>
+      </p:sp>
+      <p:pic>
+        <p:nvPicPr>
+          <p:cNvPr id="7" name="图片 6">
+            <a:extLst>
+              <a:ext uri="{FF2B5EF4-FFF2-40B4-BE49-F238E27FC236}">
+                <a16:creationId xmlns:a16="http://schemas.microsoft.com/office/drawing/2014/main" id="{078FA176-46EC-9BEC-B455-03BC223731E8}"/>
+              </a:ext>
+            </a:extLst>
+          </p:cNvPr>
+          <p:cNvPicPr>
+            <a:picLocks noChangeAspect="1"/>
+          </p:cNvPicPr>
+          <p:nvPr/>
+        </p:nvPicPr>
+        <p:blipFill>
+          <a:blip r:embed="rId2"/>
+          <a:stretch>
+            <a:fillRect/>
+          </a:stretch>
+        </p:blipFill>
+        <p:spPr>
+          <a:xfrm>
+            <a:off x="5103637" y="1812608"/>
+            <a:ext cx="6645216" cy="4778154"/>
+          </a:xfrm>
+          <a:prstGeom prst="rect">
+            <a:avLst/>
+          </a:prstGeom>
+        </p:spPr>
+      </p:pic>
+    </p:spTree>
+    <p:extLst>
+      <p:ext uri="{BB962C8B-B14F-4D97-AF65-F5344CB8AC3E}">
+        <p14:creationId xmlns:p14="http://schemas.microsoft.com/office/powerpoint/2010/main" val="485621149"/>
+      </p:ext>
+    </p:extLst>
+  </p:cSld>
+  <p:clrMapOvr>
+    <a:masterClrMapping/>
+  </p:clrMapOvr>
+</p:sld>
+</file>
+
+<file path=ppt/slides/slide7.xml><?xml version="1.0" encoding="utf-8"?>
+<p:sld xmlns:a="http://schemas.openxmlformats.org/drawingml/2006/main" xmlns:r="http://schemas.openxmlformats.org/officeDocument/2006/relationships" xmlns:p="http://schemas.openxmlformats.org/presentationml/2006/main">
+  <p:cSld>
+    <p:spTree>
+      <p:nvGrpSpPr>
+        <p:cNvPr id="1" name=""/>
+        <p:cNvGrpSpPr/>
+        <p:nvPr/>
+      </p:nvGrpSpPr>
+      <p:grpSpPr>
+        <a:xfrm>
+          <a:off x="0" y="0"/>
+          <a:ext cx="0" cy="0"/>
+          <a:chOff x="0" y="0"/>
+          <a:chExt cx="0" cy="0"/>
+        </a:xfrm>
+      </p:grpSpPr>
+      <p:sp>
+        <p:nvSpPr>
+          <p:cNvPr id="3" name="Content Placeholder 2">
+            <a:extLst>
+              <a:ext uri="{FF2B5EF4-FFF2-40B4-BE49-F238E27FC236}">
+                <a16:creationId xmlns:a16="http://schemas.microsoft.com/office/drawing/2014/main" id="{82C5C5A3-2E84-0849-82EA-36D2326D3784}"/>
+              </a:ext>
+            </a:extLst>
+          </p:cNvPr>
+          <p:cNvSpPr>
+            <a:spLocks noGrp="1"/>
+          </p:cNvSpPr>
+          <p:nvPr>
+            <p:ph idx="1"/>
+          </p:nvPr>
+        </p:nvSpPr>
+        <p:spPr>
+          <a:xfrm>
+            <a:off x="762000" y="1812608"/>
+            <a:ext cx="4016477" cy="4351338"/>
+          </a:xfrm>
+        </p:spPr>
+        <p:txBody>
+          <a:bodyPr>
+            <a:normAutofit/>
+          </a:bodyPr>
+          <a:lstStyle/>
+          <a:p>
+            <a:r>
+              <a:rPr lang="en-US" sz="1800" dirty="0"/>
+              <a:t>In general, the cab companies make most profits from middle-aged people.</a:t>
+            </a:r>
+          </a:p>
+          <a:p>
+            <a:r>
+              <a:rPr lang="en-US" sz="1800" dirty="0"/>
+              <a:t>Yellow Cab makes more profits from all age groups.</a:t>
+            </a:r>
+          </a:p>
+        </p:txBody>
+      </p:sp>
+      <p:sp>
+        <p:nvSpPr>
+          <p:cNvPr id="4" name="Rectangle 3">
+            <a:extLst>
+              <a:ext uri="{FF2B5EF4-FFF2-40B4-BE49-F238E27FC236}">
+                <a16:creationId xmlns:a16="http://schemas.microsoft.com/office/drawing/2014/main" id="{DD7B960C-F6E1-AE45-98A6-122DB2A97B5B}"/>
+              </a:ext>
+            </a:extLst>
+          </p:cNvPr>
+          <p:cNvSpPr/>
+          <p:nvPr/>
+        </p:nvSpPr>
+        <p:spPr>
+          <a:xfrm>
+            <a:off x="0" y="0"/>
+            <a:ext cx="12192000" cy="1371600"/>
+          </a:xfrm>
+          <a:prstGeom prst="rect">
+            <a:avLst/>
+          </a:prstGeom>
+          <a:solidFill>
+            <a:schemeClr val="bg2">
+              <a:lumMod val="25000"/>
+            </a:schemeClr>
+          </a:solidFill>
+        </p:spPr>
+        <p:style>
+          <a:lnRef idx="2">
+            <a:schemeClr val="accent1">
+              <a:shade val="50000"/>
+            </a:schemeClr>
+          </a:lnRef>
+          <a:fillRef idx="1">
+            <a:schemeClr val="accent1"/>
+          </a:fillRef>
+          <a:effectRef idx="0">
+            <a:schemeClr val="accent1"/>
+          </a:effectRef>
+          <a:fontRef idx="minor">
+            <a:schemeClr val="lt1"/>
+          </a:fontRef>
+        </p:style>
+        <p:txBody>
+          <a:bodyPr rtlCol="0" anchor="ctr"/>
+          <a:lstStyle/>
+          <a:p>
+            <a:pPr algn="ctr"/>
+            <a:endParaRPr lang="en-US"/>
+          </a:p>
+        </p:txBody>
+      </p:sp>
+      <p:sp>
+        <p:nvSpPr>
+          <p:cNvPr id="6" name="Title 1">
+            <a:extLst>
+              <a:ext uri="{FF2B5EF4-FFF2-40B4-BE49-F238E27FC236}">
+                <a16:creationId xmlns:a16="http://schemas.microsoft.com/office/drawing/2014/main" id="{C526CBCB-8ADA-0E48-96D7-11EEE40222DD}"/>
+              </a:ext>
+            </a:extLst>
+          </p:cNvPr>
+          <p:cNvSpPr>
+            <a:spLocks noGrp="1"/>
+          </p:cNvSpPr>
+          <p:nvPr>
+            <p:ph type="title"/>
+          </p:nvPr>
+        </p:nvSpPr>
+        <p:spPr>
+          <a:xfrm>
+            <a:off x="838200" y="46037"/>
+            <a:ext cx="10515600" cy="1325563"/>
+          </a:xfrm>
+        </p:spPr>
+        <p:txBody>
+          <a:bodyPr>
+            <a:normAutofit/>
+          </a:bodyPr>
+          <a:lstStyle/>
+          <a:p>
+            <a:r>
+              <a:rPr lang="en-US" sz="3500" b="1" dirty="0">
+                <a:solidFill>
+                  <a:schemeClr val="accent2"/>
+                </a:solidFill>
+                <a:latin typeface="Calibri" panose="020F0502020204030204" pitchFamily="34" charset="0"/>
+                <a:cs typeface="Calibri" panose="020F0502020204030204" pitchFamily="34" charset="0"/>
+              </a:rPr>
+              <a:t>Profits by Age</a:t>
+            </a:r>
+          </a:p>
+        </p:txBody>
+      </p:sp>
+      <p:pic>
+        <p:nvPicPr>
+          <p:cNvPr id="5" name="图片 4">
+            <a:extLst>
+              <a:ext uri="{FF2B5EF4-FFF2-40B4-BE49-F238E27FC236}">
+                <a16:creationId xmlns:a16="http://schemas.microsoft.com/office/drawing/2014/main" id="{B82D9154-CCE8-4CB1-7DA0-B590758CA9A5}"/>
+              </a:ext>
+            </a:extLst>
+          </p:cNvPr>
+          <p:cNvPicPr>
+            <a:picLocks noChangeAspect="1"/>
+          </p:cNvPicPr>
+          <p:nvPr/>
+        </p:nvPicPr>
+        <p:blipFill>
+          <a:blip r:embed="rId2"/>
+          <a:stretch>
+            <a:fillRect/>
+          </a:stretch>
+        </p:blipFill>
+        <p:spPr>
+          <a:xfrm>
+            <a:off x="5130789" y="1629682"/>
+            <a:ext cx="6866215" cy="4717189"/>
+          </a:xfrm>
+          <a:prstGeom prst="rect">
+            <a:avLst/>
+          </a:prstGeom>
+        </p:spPr>
+      </p:pic>
+    </p:spTree>
+    <p:extLst>
+      <p:ext uri="{BB962C8B-B14F-4D97-AF65-F5344CB8AC3E}">
+        <p14:creationId xmlns:p14="http://schemas.microsoft.com/office/powerpoint/2010/main" val="1308215743"/>
+      </p:ext>
+    </p:extLst>
+  </p:cSld>
+  <p:clrMapOvr>
+    <a:masterClrMapping/>
+  </p:clrMapOvr>
+</p:sld>
+</file>
+
+<file path=ppt/slides/slide8.xml><?xml version="1.0" encoding="utf-8"?>
+<p:sld xmlns:a="http://schemas.openxmlformats.org/drawingml/2006/main" xmlns:r="http://schemas.openxmlformats.org/officeDocument/2006/relationships" xmlns:p="http://schemas.openxmlformats.org/presentationml/2006/main">
+  <p:cSld>
+    <p:spTree>
+      <p:nvGrpSpPr>
+        <p:cNvPr id="1" name=""/>
+        <p:cNvGrpSpPr/>
+        <p:nvPr/>
+      </p:nvGrpSpPr>
+      <p:grpSpPr>
+        <a:xfrm>
+          <a:off x="0" y="0"/>
+          <a:ext cx="0" cy="0"/>
+          <a:chOff x="0" y="0"/>
+          <a:chExt cx="0" cy="0"/>
+        </a:xfrm>
+      </p:grpSpPr>
+      <p:sp>
+        <p:nvSpPr>
+          <p:cNvPr id="3" name="Content Placeholder 2">
+            <a:extLst>
+              <a:ext uri="{FF2B5EF4-FFF2-40B4-BE49-F238E27FC236}">
+                <a16:creationId xmlns:a16="http://schemas.microsoft.com/office/drawing/2014/main" id="{82C5C5A3-2E84-0849-82EA-36D2326D3784}"/>
+              </a:ext>
+            </a:extLst>
+          </p:cNvPr>
+          <p:cNvSpPr>
+            <a:spLocks noGrp="1"/>
+          </p:cNvSpPr>
+          <p:nvPr>
+            <p:ph idx="1"/>
+          </p:nvPr>
+        </p:nvSpPr>
+        <p:spPr>
+          <a:xfrm>
+            <a:off x="762000" y="1812608"/>
+            <a:ext cx="4016477" cy="4351338"/>
+          </a:xfrm>
+        </p:spPr>
+        <p:txBody>
+          <a:bodyPr>
+            <a:normAutofit/>
+          </a:bodyPr>
+          <a:lstStyle/>
+          <a:p>
+            <a:r>
+              <a:rPr lang="en-US" sz="1800" dirty="0"/>
+              <a:t>In general, the cab companies make most profits from higher-income people.</a:t>
+            </a:r>
+          </a:p>
+          <a:p>
+            <a:r>
+              <a:rPr lang="en-US" sz="1800" dirty="0"/>
+              <a:t>Yellow Cab makes more profits from all income groups.</a:t>
+            </a:r>
+          </a:p>
+          <a:p>
+            <a:r>
+              <a:rPr lang="en-US" sz="1400" dirty="0"/>
+              <a:t>Income cutouts referencing (yearly income divide by 12 and round to hundreds): https://finance.yahoo.com/news/income-fall-americas-lower-middle-122100515.html?guccounter=1&amp;guce_referrer=aHR0cHM6Ly93d3cuZ29vZ2xlLmNvbS8&amp;guce_referrer_sig=AQAAACpNeVSLCa8ycoLlPcb9HucFFjWCZmofdvs-A_ScxsRdS2MHOUCzCJwgc-1U9MbJkWRHjCOJUHNRxvPfj2vUtAYFkjhIQHc4AU94Y5oJsyMCevf1WLmnwyO2K2KFIjaU29i5ybkKgmqzbkKy6GZaxi2pTLUNLxKybVVBmV1wbseN</a:t>
+            </a:r>
+          </a:p>
+        </p:txBody>
+      </p:sp>
+      <p:sp>
+        <p:nvSpPr>
+          <p:cNvPr id="4" name="Rectangle 3">
+            <a:extLst>
+              <a:ext uri="{FF2B5EF4-FFF2-40B4-BE49-F238E27FC236}">
+                <a16:creationId xmlns:a16="http://schemas.microsoft.com/office/drawing/2014/main" id="{DD7B960C-F6E1-AE45-98A6-122DB2A97B5B}"/>
+              </a:ext>
+            </a:extLst>
+          </p:cNvPr>
+          <p:cNvSpPr/>
+          <p:nvPr/>
+        </p:nvSpPr>
+        <p:spPr>
+          <a:xfrm>
+            <a:off x="0" y="0"/>
+            <a:ext cx="12192000" cy="1371600"/>
+          </a:xfrm>
+          <a:prstGeom prst="rect">
+            <a:avLst/>
+          </a:prstGeom>
+          <a:solidFill>
+            <a:schemeClr val="bg2">
+              <a:lumMod val="25000"/>
+            </a:schemeClr>
+          </a:solidFill>
+        </p:spPr>
+        <p:style>
+          <a:lnRef idx="2">
+            <a:schemeClr val="accent1">
+              <a:shade val="50000"/>
+            </a:schemeClr>
+          </a:lnRef>
+          <a:fillRef idx="1">
+            <a:schemeClr val="accent1"/>
+          </a:fillRef>
+          <a:effectRef idx="0">
+            <a:schemeClr val="accent1"/>
+          </a:effectRef>
+          <a:fontRef idx="minor">
+            <a:schemeClr val="lt1"/>
+          </a:fontRef>
+        </p:style>
+        <p:txBody>
+          <a:bodyPr rtlCol="0" anchor="ctr"/>
+          <a:lstStyle/>
+          <a:p>
+            <a:pPr algn="ctr"/>
+            <a:endParaRPr lang="en-US"/>
+          </a:p>
+        </p:txBody>
+      </p:sp>
+      <p:sp>
+        <p:nvSpPr>
+          <p:cNvPr id="6" name="Title 1">
+            <a:extLst>
+              <a:ext uri="{FF2B5EF4-FFF2-40B4-BE49-F238E27FC236}">
+                <a16:creationId xmlns:a16="http://schemas.microsoft.com/office/drawing/2014/main" id="{C526CBCB-8ADA-0E48-96D7-11EEE40222DD}"/>
+              </a:ext>
+            </a:extLst>
+          </p:cNvPr>
+          <p:cNvSpPr>
+            <a:spLocks noGrp="1"/>
+          </p:cNvSpPr>
+          <p:nvPr>
+            <p:ph type="title"/>
+          </p:nvPr>
+        </p:nvSpPr>
+        <p:spPr>
+          <a:xfrm>
+            <a:off x="838200" y="46037"/>
+            <a:ext cx="10515600" cy="1325563"/>
+          </a:xfrm>
+        </p:spPr>
+        <p:txBody>
+          <a:bodyPr>
+            <a:normAutofit/>
+          </a:bodyPr>
+          <a:lstStyle/>
+          <a:p>
+            <a:r>
+              <a:rPr lang="en-US" sz="3500" b="1" dirty="0">
+                <a:solidFill>
+                  <a:schemeClr val="accent2"/>
+                </a:solidFill>
+                <a:latin typeface="Calibri" panose="020F0502020204030204" pitchFamily="34" charset="0"/>
+                <a:cs typeface="Calibri" panose="020F0502020204030204" pitchFamily="34" charset="0"/>
+              </a:rPr>
+              <a:t>Profits by Income</a:t>
+            </a:r>
+          </a:p>
+        </p:txBody>
+      </p:sp>
+      <p:pic>
+        <p:nvPicPr>
+          <p:cNvPr id="9" name="图片 8">
+            <a:extLst>
+              <a:ext uri="{FF2B5EF4-FFF2-40B4-BE49-F238E27FC236}">
+                <a16:creationId xmlns:a16="http://schemas.microsoft.com/office/drawing/2014/main" id="{021C8A22-A8D7-49C5-45B4-D1734938FA4A}"/>
+              </a:ext>
+            </a:extLst>
+          </p:cNvPr>
+          <p:cNvPicPr>
+            <a:picLocks noChangeAspect="1"/>
+          </p:cNvPicPr>
+          <p:nvPr/>
+        </p:nvPicPr>
+        <p:blipFill>
+          <a:blip r:embed="rId2"/>
+          <a:stretch>
+            <a:fillRect/>
+          </a:stretch>
+        </p:blipFill>
+        <p:spPr>
+          <a:xfrm>
+            <a:off x="5160285" y="1439710"/>
+            <a:ext cx="6866215" cy="5418290"/>
+          </a:xfrm>
+          <a:prstGeom prst="rect">
+            <a:avLst/>
+          </a:prstGeom>
+        </p:spPr>
+      </p:pic>
+    </p:spTree>
+    <p:extLst>
+      <p:ext uri="{BB962C8B-B14F-4D97-AF65-F5344CB8AC3E}">
+        <p14:creationId xmlns:p14="http://schemas.microsoft.com/office/powerpoint/2010/main" val="2200369195"/>
+      </p:ext>
+    </p:extLst>
+  </p:cSld>
+  <p:clrMapOvr>
+    <a:masterClrMapping/>
+  </p:clrMapOvr>
+</p:sld>
+</file>
+
+<file path=ppt/slides/slide9.xml><?xml version="1.0" encoding="utf-8"?>
+<p:sld xmlns:a="http://schemas.openxmlformats.org/drawingml/2006/main" xmlns:r="http://schemas.openxmlformats.org/officeDocument/2006/relationships" xmlns:p="http://schemas.openxmlformats.org/presentationml/2006/main">
+  <p:cSld>
+    <p:spTree>
+      <p:nvGrpSpPr>
+        <p:cNvPr id="1" name=""/>
+        <p:cNvGrpSpPr/>
+        <p:nvPr/>
+      </p:nvGrpSpPr>
+      <p:grpSpPr>
+        <a:xfrm>
+          <a:off x="0" y="0"/>
+          <a:ext cx="0" cy="0"/>
+          <a:chOff x="0" y="0"/>
+          <a:chExt cx="0" cy="0"/>
+        </a:xfrm>
+      </p:grpSpPr>
+      <p:sp>
+        <p:nvSpPr>
+          <p:cNvPr id="3" name="Content Placeholder 2">
+            <a:extLst>
+              <a:ext uri="{FF2B5EF4-FFF2-40B4-BE49-F238E27FC236}">
+                <a16:creationId xmlns:a16="http://schemas.microsoft.com/office/drawing/2014/main" id="{82C5C5A3-2E84-0849-82EA-36D2326D3784}"/>
+              </a:ext>
+            </a:extLst>
+          </p:cNvPr>
+          <p:cNvSpPr>
+            <a:spLocks noGrp="1"/>
+          </p:cNvSpPr>
+          <p:nvPr>
+            <p:ph idx="1"/>
+          </p:nvPr>
+        </p:nvSpPr>
+        <p:spPr>
+          <a:xfrm>
+            <a:off x="762000" y="1812608"/>
+            <a:ext cx="10591800" cy="4351338"/>
+          </a:xfrm>
+        </p:spPr>
+        <p:txBody>
+          <a:bodyPr>
+            <a:normAutofit/>
+          </a:bodyPr>
+          <a:lstStyle/>
+          <a:p>
+            <a:r>
+              <a:rPr lang="en-US" sz="2400" dirty="0"/>
+              <a:t>In conclusion, Yellow Cab makes more profits not only in general, but also in different cities, and among costumers from different gender, ages groups, and income groups.</a:t>
+            </a:r>
+          </a:p>
+          <a:p>
+            <a:r>
+              <a:rPr lang="en-US" sz="2400" dirty="0"/>
+              <a:t>The only downside of Yellow Cab compared to Pink Cab is that the profit oscillates more with seasonality</a:t>
+            </a:r>
+          </a:p>
+          <a:p>
+            <a:r>
+              <a:rPr lang="en-US" sz="2400" dirty="0"/>
+              <a:t>However, the downside is not overweighting the upsides, so we </a:t>
+            </a:r>
+            <a:r>
+              <a:rPr lang="en-US" sz="2400"/>
+              <a:t>should invest in Yellow Cab.</a:t>
+            </a:r>
+            <a:endParaRPr lang="en-US" sz="2400" dirty="0"/>
+          </a:p>
+        </p:txBody>
+      </p:sp>
+      <p:sp>
+        <p:nvSpPr>
+          <p:cNvPr id="4" name="Rectangle 3">
+            <a:extLst>
+              <a:ext uri="{FF2B5EF4-FFF2-40B4-BE49-F238E27FC236}">
+                <a16:creationId xmlns:a16="http://schemas.microsoft.com/office/drawing/2014/main" id="{DD7B960C-F6E1-AE45-98A6-122DB2A97B5B}"/>
+              </a:ext>
+            </a:extLst>
+          </p:cNvPr>
+          <p:cNvSpPr/>
+          <p:nvPr/>
+        </p:nvSpPr>
+        <p:spPr>
+          <a:xfrm>
+            <a:off x="0" y="0"/>
+            <a:ext cx="12192000" cy="1371600"/>
+          </a:xfrm>
+          <a:prstGeom prst="rect">
+            <a:avLst/>
+          </a:prstGeom>
+          <a:solidFill>
+            <a:schemeClr val="bg2">
+              <a:lumMod val="25000"/>
+            </a:schemeClr>
+          </a:solidFill>
+        </p:spPr>
+        <p:style>
+          <a:lnRef idx="2">
+            <a:schemeClr val="accent1">
+              <a:shade val="50000"/>
+            </a:schemeClr>
+          </a:lnRef>
+          <a:fillRef idx="1">
+            <a:schemeClr val="accent1"/>
+          </a:fillRef>
+          <a:effectRef idx="0">
+            <a:schemeClr val="accent1"/>
+          </a:effectRef>
+          <a:fontRef idx="minor">
+            <a:schemeClr val="lt1"/>
+          </a:fontRef>
+        </p:style>
+        <p:txBody>
+          <a:bodyPr rtlCol="0" anchor="ctr"/>
+          <a:lstStyle/>
+          <a:p>
+            <a:pPr algn="ctr"/>
+            <a:endParaRPr lang="en-US"/>
+          </a:p>
+        </p:txBody>
+      </p:sp>
+      <p:sp>
+        <p:nvSpPr>
+          <p:cNvPr id="6" name="Title 1">
+            <a:extLst>
+              <a:ext uri="{FF2B5EF4-FFF2-40B4-BE49-F238E27FC236}">
+                <a16:creationId xmlns:a16="http://schemas.microsoft.com/office/drawing/2014/main" id="{C526CBCB-8ADA-0E48-96D7-11EEE40222DD}"/>
+              </a:ext>
+            </a:extLst>
+          </p:cNvPr>
+          <p:cNvSpPr>
+            <a:spLocks noGrp="1"/>
+          </p:cNvSpPr>
+          <p:nvPr>
+            <p:ph type="title"/>
+          </p:nvPr>
+        </p:nvSpPr>
+        <p:spPr>
+          <a:xfrm>
+            <a:off x="838200" y="46037"/>
+            <a:ext cx="10515600" cy="1325563"/>
+          </a:xfrm>
+        </p:spPr>
+        <p:txBody>
+          <a:bodyPr>
+            <a:normAutofit/>
+          </a:bodyPr>
+          <a:lstStyle/>
+          <a:p>
+            <a:r>
+              <a:rPr lang="en-US" sz="3500" b="1" dirty="0">
+                <a:solidFill>
+                  <a:schemeClr val="accent2"/>
+                </a:solidFill>
+                <a:latin typeface="Calibri" panose="020F0502020204030204" pitchFamily="34" charset="0"/>
+                <a:cs typeface="Calibri" panose="020F0502020204030204" pitchFamily="34" charset="0"/>
+              </a:rPr>
+              <a:t>Conclusion</a:t>
+            </a:r>
+          </a:p>
+        </p:txBody>
+      </p:sp>
+    </p:spTree>
+    <p:extLst>
+      <p:ext uri="{BB962C8B-B14F-4D97-AF65-F5344CB8AC3E}">
+        <p14:creationId xmlns:p14="http://schemas.microsoft.com/office/powerpoint/2010/main" val="1873673385"/>
       </p:ext>
     </p:extLst>
   </p:cSld>
